--- a/paper/Von Bertalanffy box.pptx
+++ b/paper/Von Bertalanffy box.pptx
@@ -104,6 +104,11 @@
       </a:defRPr>
     </a:lvl9pPr>
   </p:defaultTextStyle>
+  <p:extLst>
+    <p:ext uri="{EFAFB233-063F-42B5-8137-9DF3F51BA10A}">
+      <p15:sldGuideLst xmlns:p15="http://schemas.microsoft.com/office/powerpoint/2012/main"/>
+    </p:ext>
+  </p:extLst>
 </p:presentation>
 </file>
 
@@ -238,7 +243,7 @@
           <a:p>
             <a:fld id="{CD0AD336-8E52-4841-96E6-A4309479F376}" type="datetimeFigureOut">
               <a:rPr lang="en-US" smtClean="0"/>
-              <a:t>5/31/21</a:t>
+              <a:t>6/15/21</a:t>
             </a:fld>
             <a:endParaRPr lang="en-US"/>
           </a:p>
@@ -408,7 +413,7 @@
           <a:p>
             <a:fld id="{CD0AD336-8E52-4841-96E6-A4309479F376}" type="datetimeFigureOut">
               <a:rPr lang="en-US" smtClean="0"/>
-              <a:t>5/31/21</a:t>
+              <a:t>6/15/21</a:t>
             </a:fld>
             <a:endParaRPr lang="en-US"/>
           </a:p>
@@ -588,7 +593,7 @@
           <a:p>
             <a:fld id="{CD0AD336-8E52-4841-96E6-A4309479F376}" type="datetimeFigureOut">
               <a:rPr lang="en-US" smtClean="0"/>
-              <a:t>5/31/21</a:t>
+              <a:t>6/15/21</a:t>
             </a:fld>
             <a:endParaRPr lang="en-US"/>
           </a:p>
@@ -758,7 +763,7 @@
           <a:p>
             <a:fld id="{CD0AD336-8E52-4841-96E6-A4309479F376}" type="datetimeFigureOut">
               <a:rPr lang="en-US" smtClean="0"/>
-              <a:t>5/31/21</a:t>
+              <a:t>6/15/21</a:t>
             </a:fld>
             <a:endParaRPr lang="en-US"/>
           </a:p>
@@ -1002,7 +1007,7 @@
           <a:p>
             <a:fld id="{CD0AD336-8E52-4841-96E6-A4309479F376}" type="datetimeFigureOut">
               <a:rPr lang="en-US" smtClean="0"/>
-              <a:t>5/31/21</a:t>
+              <a:t>6/15/21</a:t>
             </a:fld>
             <a:endParaRPr lang="en-US"/>
           </a:p>
@@ -1234,7 +1239,7 @@
           <a:p>
             <a:fld id="{CD0AD336-8E52-4841-96E6-A4309479F376}" type="datetimeFigureOut">
               <a:rPr lang="en-US" smtClean="0"/>
-              <a:t>5/31/21</a:t>
+              <a:t>6/15/21</a:t>
             </a:fld>
             <a:endParaRPr lang="en-US"/>
           </a:p>
@@ -1601,7 +1606,7 @@
           <a:p>
             <a:fld id="{CD0AD336-8E52-4841-96E6-A4309479F376}" type="datetimeFigureOut">
               <a:rPr lang="en-US" smtClean="0"/>
-              <a:t>5/31/21</a:t>
+              <a:t>6/15/21</a:t>
             </a:fld>
             <a:endParaRPr lang="en-US"/>
           </a:p>
@@ -1719,7 +1724,7 @@
           <a:p>
             <a:fld id="{CD0AD336-8E52-4841-96E6-A4309479F376}" type="datetimeFigureOut">
               <a:rPr lang="en-US" smtClean="0"/>
-              <a:t>5/31/21</a:t>
+              <a:t>6/15/21</a:t>
             </a:fld>
             <a:endParaRPr lang="en-US"/>
           </a:p>
@@ -1814,7 +1819,7 @@
           <a:p>
             <a:fld id="{CD0AD336-8E52-4841-96E6-A4309479F376}" type="datetimeFigureOut">
               <a:rPr lang="en-US" smtClean="0"/>
-              <a:t>5/31/21</a:t>
+              <a:t>6/15/21</a:t>
             </a:fld>
             <a:endParaRPr lang="en-US"/>
           </a:p>
@@ -2091,7 +2096,7 @@
           <a:p>
             <a:fld id="{CD0AD336-8E52-4841-96E6-A4309479F376}" type="datetimeFigureOut">
               <a:rPr lang="en-US" smtClean="0"/>
-              <a:t>5/31/21</a:t>
+              <a:t>6/15/21</a:t>
             </a:fld>
             <a:endParaRPr lang="en-US"/>
           </a:p>
@@ -2348,7 +2353,7 @@
           <a:p>
             <a:fld id="{CD0AD336-8E52-4841-96E6-A4309479F376}" type="datetimeFigureOut">
               <a:rPr lang="en-US" smtClean="0"/>
-              <a:t>5/31/21</a:t>
+              <a:t>6/15/21</a:t>
             </a:fld>
             <a:endParaRPr lang="en-US"/>
           </a:p>
@@ -2561,7 +2566,7 @@
           <a:p>
             <a:fld id="{CD0AD336-8E52-4841-96E6-A4309479F376}" type="datetimeFigureOut">
               <a:rPr lang="en-US" smtClean="0"/>
-              <a:t>5/31/21</a:t>
+              <a:t>6/15/21</a:t>
             </a:fld>
             <a:endParaRPr lang="en-US"/>
           </a:p>
@@ -3611,8 +3616,8 @@
           </a:p>
         </p:txBody>
       </p:sp>
-      <mc:AlternateContent xmlns:mc="http://schemas.openxmlformats.org/markup-compatibility/2006">
-        <mc:Choice xmlns:a14="http://schemas.microsoft.com/office/drawing/2010/main" Requires="a14">
+      <mc:AlternateContent xmlns:mc="http://schemas.openxmlformats.org/markup-compatibility/2006" xmlns:a14="http://schemas.microsoft.com/office/drawing/2010/main">
+        <mc:Choice Requires="a14">
           <p:sp>
             <p:nvSpPr>
               <p:cNvPr id="30" name="TextBox 29">
@@ -4006,7 +4011,7 @@
             </p:txBody>
           </p:sp>
         </mc:Choice>
-        <mc:Fallback>
+        <mc:Fallback xmlns="">
           <p:sp>
             <p:nvSpPr>
               <p:cNvPr id="30" name="TextBox 29">
